--- a/PPT/DeepLearning13-FineTuning.pptx
+++ b/PPT/DeepLearning13-FineTuning.pptx
@@ -5,10 +5,10 @@
     <p:sldMasterId id="2147483653" r:id="rId1"/>
   </p:sldMasterIdLst>
   <p:notesMasterIdLst>
-    <p:notesMasterId r:id="rId9"/>
+    <p:notesMasterId r:id="rId10"/>
   </p:notesMasterIdLst>
   <p:handoutMasterIdLst>
-    <p:handoutMasterId r:id="rId10"/>
+    <p:handoutMasterId r:id="rId11"/>
   </p:handoutMasterIdLst>
   <p:sldIdLst>
     <p:sldId id="264" r:id="rId2"/>
@@ -16,8 +16,9 @@
     <p:sldId id="271" r:id="rId4"/>
     <p:sldId id="273" r:id="rId5"/>
     <p:sldId id="275" r:id="rId6"/>
-    <p:sldId id="274" r:id="rId7"/>
-    <p:sldId id="276" r:id="rId8"/>
+    <p:sldId id="277" r:id="rId7"/>
+    <p:sldId id="274" r:id="rId8"/>
+    <p:sldId id="276" r:id="rId9"/>
   </p:sldIdLst>
   <p:sldSz cx="9144000" cy="6858000" type="screen4x3"/>
   <p:notesSz cx="6648450" cy="9782175"/>
@@ -4295,38 +4296,107 @@
             </a:r>
           </a:p>
           <a:p>
+            <a:pPr marL="457200" lvl="1" indent="0">
+              <a:buNone/>
+            </a:pPr>
+            <a:r>
+              <a:rPr lang="en-US" dirty="0" err="1"/>
+              <a:t>lr_schedule</a:t>
+            </a:r>
+            <a:r>
+              <a:rPr lang="en-US" dirty="0"/>
+              <a:t> = </a:t>
+            </a:r>
+            <a:r>
+              <a:rPr lang="en-US" dirty="0" err="1"/>
+              <a:t>keras.optimizers.schedules.ExponentialDecay</a:t>
+            </a:r>
+            <a:r>
+              <a:rPr lang="en-US" dirty="0"/>
+              <a:t>(</a:t>
+            </a:r>
+          </a:p>
+          <a:p>
+            <a:pPr marL="457200" lvl="1" indent="0">
+              <a:buNone/>
+            </a:pPr>
+            <a:r>
+              <a:rPr lang="en-US" dirty="0"/>
+              <a:t>    </a:t>
+            </a:r>
+            <a:r>
+              <a:rPr lang="en-US" dirty="0" err="1"/>
+              <a:t>initial_learning_rate</a:t>
+            </a:r>
+            <a:r>
+              <a:rPr lang="en-US" dirty="0"/>
+              <a:t>=1e-2,</a:t>
+            </a:r>
+          </a:p>
+          <a:p>
+            <a:pPr marL="457200" lvl="1" indent="0">
+              <a:buNone/>
+            </a:pPr>
+            <a:r>
+              <a:rPr lang="en-US" dirty="0"/>
+              <a:t>    </a:t>
+            </a:r>
+            <a:r>
+              <a:rPr lang="en-US" dirty="0" err="1"/>
+              <a:t>decay_steps</a:t>
+            </a:r>
+            <a:r>
+              <a:rPr lang="en-US" dirty="0"/>
+              <a:t>=10000,</a:t>
+            </a:r>
+          </a:p>
+          <a:p>
+            <a:pPr marL="457200" lvl="1" indent="0">
+              <a:buNone/>
+            </a:pPr>
+            <a:r>
+              <a:rPr lang="en-US" dirty="0"/>
+              <a:t>    </a:t>
+            </a:r>
+            <a:r>
+              <a:rPr lang="en-US" dirty="0" err="1"/>
+              <a:t>decay_rate</a:t>
+            </a:r>
+            <a:r>
+              <a:rPr lang="en-US" dirty="0"/>
+              <a:t>=0.9)</a:t>
+            </a:r>
+            <a:endParaRPr lang="fr-FR" dirty="0"/>
+          </a:p>
+          <a:p>
             <a:pPr lvl="1"/>
             <a:r>
-              <a:rPr lang="fr-FR" dirty="0" err="1"/>
-              <a:t>sgd</a:t>
-            </a:r>
-            <a:r>
-              <a:rPr lang="fr-FR" dirty="0"/>
-              <a:t> = </a:t>
-            </a:r>
-            <a:r>
-              <a:rPr lang="fr-FR" dirty="0" err="1"/>
+              <a:rPr lang="en-US" dirty="0"/>
+              <a:t>optimizer = </a:t>
+            </a:r>
+            <a:r>
+              <a:rPr lang="en-US" dirty="0" err="1"/>
               <a:t>keras.optimizers.SGD</a:t>
             </a:r>
             <a:r>
-              <a:rPr lang="fr-FR" dirty="0"/>
+              <a:rPr lang="en-US" dirty="0"/>
               <a:t>(</a:t>
             </a:r>
             <a:r>
-              <a:rPr lang="fr-FR" dirty="0" err="1"/>
-              <a:t>lr</a:t>
-            </a:r>
-            <a:r>
-              <a:rPr lang="fr-FR" dirty="0"/>
-              <a:t>=0.0001, </a:t>
-            </a:r>
-            <a:r>
-              <a:rPr lang="fr-FR" dirty="0" err="1"/>
-              <a:t>decay</a:t>
-            </a:r>
-            <a:r>
-              <a:rPr lang="fr-FR" dirty="0"/>
-              <a:t>=1e-6, </a:t>
+              <a:rPr lang="en-US" dirty="0" err="1"/>
+              <a:t>learning_rate</a:t>
+            </a:r>
+            <a:r>
+              <a:rPr lang="en-US" dirty="0"/>
+              <a:t>=</a:t>
+            </a:r>
+            <a:r>
+              <a:rPr lang="en-US" dirty="0" err="1"/>
+              <a:t>lr_schedule</a:t>
+            </a:r>
+            <a:r>
+              <a:rPr lang="en-US" dirty="0"/>
+              <a:t>, </a:t>
             </a:r>
             <a:r>
               <a:rPr lang="fr-FR" dirty="0" err="1"/>
@@ -4352,126 +4422,6 @@
               <a:rPr lang="fr-FR" dirty="0"/>
               <a:t>)</a:t>
             </a:r>
-          </a:p>
-          <a:p>
-            <a:pPr lvl="1"/>
-            <a:r>
-              <a:rPr lang="fr-FR" dirty="0" err="1"/>
-              <a:t>lr</a:t>
-            </a:r>
-            <a:r>
-              <a:rPr lang="fr-FR" dirty="0"/>
-              <a:t> = Learning Rate</a:t>
-            </a:r>
-          </a:p>
-          <a:p>
-            <a:pPr lvl="1"/>
-            <a:r>
-              <a:rPr lang="fr-FR" dirty="0" err="1"/>
-              <a:t>momentum</a:t>
-            </a:r>
-            <a:r>
-              <a:rPr lang="fr-FR" dirty="0"/>
-              <a:t> = le moment du </a:t>
-            </a:r>
-            <a:r>
-              <a:rPr lang="fr-FR" dirty="0" err="1"/>
-              <a:t>lr</a:t>
-            </a:r>
-            <a:r>
-              <a:rPr lang="fr-FR" dirty="0"/>
-              <a:t> (</a:t>
-            </a:r>
-            <a:r>
-              <a:rPr lang="fr-FR" dirty="0" err="1"/>
-              <a:t>acceleration</a:t>
-            </a:r>
-            <a:r>
-              <a:rPr lang="fr-FR" dirty="0"/>
-              <a:t> du </a:t>
-            </a:r>
-            <a:r>
-              <a:rPr lang="fr-FR" dirty="0" err="1"/>
-              <a:t>lr</a:t>
-            </a:r>
-            <a:r>
-              <a:rPr lang="fr-FR" dirty="0"/>
-              <a:t>)</a:t>
-            </a:r>
-          </a:p>
-          <a:p>
-            <a:pPr lvl="2"/>
-            <a:r>
-              <a:rPr lang="fr-FR" dirty="0"/>
-              <a:t>Ici comme </a:t>
-            </a:r>
-            <a:r>
-              <a:rPr lang="fr-FR" dirty="0" err="1"/>
-              <a:t>momentum</a:t>
-            </a:r>
-            <a:r>
-              <a:rPr lang="fr-FR" dirty="0"/>
-              <a:t> &lt; 1 c'est une décélération</a:t>
-            </a:r>
-          </a:p>
-          <a:p>
-            <a:pPr lvl="1"/>
-            <a:r>
-              <a:rPr lang="fr-FR" dirty="0" err="1"/>
-              <a:t>decay</a:t>
-            </a:r>
-            <a:r>
-              <a:rPr lang="fr-FR" dirty="0"/>
-              <a:t> = décrément du </a:t>
-            </a:r>
-            <a:r>
-              <a:rPr lang="fr-FR" dirty="0" err="1"/>
-              <a:t>lr</a:t>
-            </a:r>
-            <a:endParaRPr lang="fr-FR" dirty="0"/>
-          </a:p>
-          <a:p>
-            <a:pPr lvl="1"/>
-            <a:r>
-              <a:rPr lang="fr-FR" dirty="0" err="1"/>
-              <a:t>nesterov</a:t>
-            </a:r>
-            <a:r>
-              <a:rPr lang="fr-FR" dirty="0"/>
-              <a:t> = </a:t>
-            </a:r>
-            <a:r>
-              <a:rPr lang="fr-FR" dirty="0" err="1"/>
-              <a:t>True</a:t>
-            </a:r>
-            <a:r>
-              <a:rPr lang="fr-FR" dirty="0"/>
-              <a:t> calcul du moment plus précis</a:t>
-            </a:r>
-          </a:p>
-          <a:p>
-            <a:pPr lvl="1"/>
-            <a:r>
-              <a:rPr lang="fr-FR" dirty="0"/>
-              <a:t>Nécessite d'avantage d'</a:t>
-            </a:r>
-            <a:r>
-              <a:rPr lang="fr-FR" dirty="0" err="1"/>
-              <a:t>epoch</a:t>
-            </a:r>
-            <a:r>
-              <a:rPr lang="fr-FR" dirty="0"/>
-              <a:t> que </a:t>
-            </a:r>
-            <a:r>
-              <a:rPr lang="fr-FR" dirty="0" err="1"/>
-              <a:t>adam</a:t>
-            </a:r>
-            <a:endParaRPr lang="fr-FR" dirty="0"/>
-          </a:p>
-          <a:p>
-            <a:pPr lvl="1"/>
-            <a:endParaRPr lang="fr-FR" dirty="0"/>
           </a:p>
           <a:p>
             <a:pPr lvl="2"/>
@@ -4493,6 +4443,194 @@
 </file>
 
 <file path=ppt/slides/slide6.xml><?xml version="1.0" encoding="utf-8"?>
+<p:sld xmlns:a="http://schemas.openxmlformats.org/drawingml/2006/main" xmlns:r="http://schemas.openxmlformats.org/officeDocument/2006/relationships" xmlns:p="http://schemas.openxmlformats.org/presentationml/2006/main">
+  <p:cSld>
+    <p:spTree>
+      <p:nvGrpSpPr>
+        <p:cNvPr id="1" name=""/>
+        <p:cNvGrpSpPr/>
+        <p:nvPr/>
+      </p:nvGrpSpPr>
+      <p:grpSpPr>
+        <a:xfrm>
+          <a:off x="0" y="0"/>
+          <a:ext cx="0" cy="0"/>
+          <a:chOff x="0" y="0"/>
+          <a:chExt cx="0" cy="0"/>
+        </a:xfrm>
+      </p:grpSpPr>
+      <p:sp>
+        <p:nvSpPr>
+          <p:cNvPr id="2" name="Titre 1"/>
+          <p:cNvSpPr>
+            <a:spLocks noGrp="1"/>
+          </p:cNvSpPr>
+          <p:nvPr>
+            <p:ph type="title"/>
+          </p:nvPr>
+        </p:nvSpPr>
+        <p:spPr/>
+        <p:txBody>
+          <a:bodyPr/>
+          <a:lstStyle/>
+          <a:p>
+            <a:r>
+              <a:rPr lang="fr-FR" dirty="0"/>
+              <a:t>SGD</a:t>
+            </a:r>
+          </a:p>
+        </p:txBody>
+      </p:sp>
+      <p:sp>
+        <p:nvSpPr>
+          <p:cNvPr id="3" name="Espace réservé du contenu 2"/>
+          <p:cNvSpPr>
+            <a:spLocks noGrp="1"/>
+          </p:cNvSpPr>
+          <p:nvPr>
+            <p:ph idx="1"/>
+          </p:nvPr>
+        </p:nvSpPr>
+        <p:spPr/>
+        <p:txBody>
+          <a:bodyPr/>
+          <a:lstStyle/>
+          <a:p>
+            <a:r>
+              <a:rPr lang="fr-FR" dirty="0" err="1"/>
+              <a:t>Stochastic</a:t>
+            </a:r>
+            <a:r>
+              <a:rPr lang="fr-FR" dirty="0"/>
+              <a:t> gradient </a:t>
+            </a:r>
+            <a:r>
+              <a:rPr lang="fr-FR" dirty="0" err="1"/>
+              <a:t>descent</a:t>
+            </a:r>
+            <a:r>
+              <a:rPr lang="fr-FR" dirty="0"/>
+              <a:t> </a:t>
+            </a:r>
+            <a:r>
+              <a:rPr lang="fr-FR" dirty="0" err="1"/>
+              <a:t>optimizer</a:t>
+            </a:r>
+            <a:endParaRPr lang="fr-FR" dirty="0"/>
+          </a:p>
+          <a:p>
+            <a:pPr lvl="1"/>
+            <a:r>
+              <a:rPr lang="fr-FR" dirty="0" err="1"/>
+              <a:t>momentum</a:t>
+            </a:r>
+            <a:r>
+              <a:rPr lang="fr-FR" dirty="0"/>
+              <a:t> = le moment du </a:t>
+            </a:r>
+            <a:r>
+              <a:rPr lang="fr-FR" dirty="0" err="1"/>
+              <a:t>lr</a:t>
+            </a:r>
+            <a:r>
+              <a:rPr lang="fr-FR" dirty="0"/>
+              <a:t> (</a:t>
+            </a:r>
+            <a:r>
+              <a:rPr lang="fr-FR" dirty="0" err="1"/>
+              <a:t>acceleration</a:t>
+            </a:r>
+            <a:r>
+              <a:rPr lang="fr-FR" dirty="0"/>
+              <a:t> du </a:t>
+            </a:r>
+            <a:r>
+              <a:rPr lang="fr-FR" dirty="0" err="1"/>
+              <a:t>lr</a:t>
+            </a:r>
+            <a:r>
+              <a:rPr lang="fr-FR" dirty="0"/>
+              <a:t>)</a:t>
+            </a:r>
+          </a:p>
+          <a:p>
+            <a:pPr lvl="2"/>
+            <a:r>
+              <a:rPr lang="fr-FR" dirty="0"/>
+              <a:t>Ici comme </a:t>
+            </a:r>
+            <a:r>
+              <a:rPr lang="fr-FR" dirty="0" err="1"/>
+              <a:t>momentum</a:t>
+            </a:r>
+            <a:r>
+              <a:rPr lang="fr-FR" dirty="0"/>
+              <a:t> &lt; 1 c'est une décélération</a:t>
+            </a:r>
+          </a:p>
+          <a:p>
+            <a:pPr lvl="1"/>
+            <a:r>
+              <a:rPr lang="fr-FR" dirty="0" err="1"/>
+              <a:t>nesterov</a:t>
+            </a:r>
+            <a:r>
+              <a:rPr lang="fr-FR" dirty="0"/>
+              <a:t> = </a:t>
+            </a:r>
+            <a:r>
+              <a:rPr lang="fr-FR" dirty="0" err="1"/>
+              <a:t>True</a:t>
+            </a:r>
+            <a:r>
+              <a:rPr lang="fr-FR" dirty="0"/>
+              <a:t> calcul du moment plus précis</a:t>
+            </a:r>
+          </a:p>
+          <a:p>
+            <a:pPr lvl="1"/>
+            <a:r>
+              <a:rPr lang="fr-FR" dirty="0"/>
+              <a:t>Nécessite d'avantage d'</a:t>
+            </a:r>
+            <a:r>
+              <a:rPr lang="fr-FR" dirty="0" err="1"/>
+              <a:t>epoch</a:t>
+            </a:r>
+            <a:r>
+              <a:rPr lang="fr-FR" dirty="0"/>
+              <a:t> que </a:t>
+            </a:r>
+            <a:r>
+              <a:rPr lang="fr-FR" dirty="0" err="1"/>
+              <a:t>adam</a:t>
+            </a:r>
+            <a:endParaRPr lang="fr-FR" dirty="0"/>
+          </a:p>
+          <a:p>
+            <a:pPr lvl="1"/>
+            <a:endParaRPr lang="fr-FR" dirty="0"/>
+          </a:p>
+          <a:p>
+            <a:pPr lvl="2"/>
+            <a:endParaRPr lang="fr-FR" dirty="0"/>
+          </a:p>
+        </p:txBody>
+      </p:sp>
+    </p:spTree>
+    <p:extLst>
+      <p:ext uri="{BB962C8B-B14F-4D97-AF65-F5344CB8AC3E}">
+        <p14:creationId xmlns:p14="http://schemas.microsoft.com/office/powerpoint/2010/main" val="1128021976"/>
+      </p:ext>
+    </p:extLst>
+  </p:cSld>
+  <p:clrMapOvr>
+    <a:masterClrMapping/>
+  </p:clrMapOvr>
+</p:sld>
+</file>
+
+<file path=ppt/slides/slide7.xml><?xml version="1.0" encoding="utf-8"?>
 <p:sld xmlns:a="http://schemas.openxmlformats.org/drawingml/2006/main" xmlns:r="http://schemas.openxmlformats.org/officeDocument/2006/relationships" xmlns:p="http://schemas.openxmlformats.org/presentationml/2006/main">
   <p:cSld>
     <p:spTree>
@@ -4781,7 +4919,7 @@
 </p:sld>
 </file>
 
-<file path=ppt/slides/slide7.xml><?xml version="1.0" encoding="utf-8"?>
+<file path=ppt/slides/slide8.xml><?xml version="1.0" encoding="utf-8"?>
 <p:sld xmlns:a="http://schemas.openxmlformats.org/drawingml/2006/main" xmlns:r="http://schemas.openxmlformats.org/officeDocument/2006/relationships" xmlns:p="http://schemas.openxmlformats.org/presentationml/2006/main">
   <p:cSld>
     <p:spTree>

--- a/PPT/DeepLearning13-FineTuning.pptx
+++ b/PPT/DeepLearning13-FineTuning.pptx
@@ -4330,7 +4330,7 @@
             </a:r>
             <a:r>
               <a:rPr lang="en-US" dirty="0"/>
-              <a:t>=1e-2,</a:t>
+              <a:t>=0.001,</a:t>
             </a:r>
           </a:p>
           <a:p>

--- a/PPT/DeepLearning13-FineTuning.pptx
+++ b/PPT/DeepLearning13-FineTuning.pptx
@@ -4584,7 +4584,7 @@
             </a:r>
             <a:r>
               <a:rPr lang="fr-FR" dirty="0"/>
-              <a:t> calcul du moment plus précis</a:t>
+              <a:t> calcul de l'accélération plus précis</a:t>
             </a:r>
           </a:p>
           <a:p>
